--- a/Lessons/K_ConsumerCredit_NonTraditionalInvesting/ConsumerCredit_NonTraditionalMkts.pptx
+++ b/Lessons/K_ConsumerCredit_NonTraditionalInvesting/ConsumerCredit_NonTraditionalMkts.pptx
@@ -234,7 +234,7 @@
           <a:p>
             <a:fld id="{B0C0A60C-850A-4EA4-9C14-A8FE98B94505}" type="datetimeFigureOut">
               <a:rPr lang="en-US" smtClean="0"/>
-              <a:t>11/9/20</a:t>
+              <a:t>4/19/21</a:t>
             </a:fld>
             <a:endParaRPr lang="en-US"/>
           </a:p>
@@ -731,7 +731,7 @@
           <a:p>
             <a:fld id="{5738B90E-0779-4C36-915C-6F05FCD89456}" type="datetime1">
               <a:rPr lang="en-US" smtClean="0"/>
-              <a:t>11/9/20</a:t>
+              <a:t>4/19/21</a:t>
             </a:fld>
             <a:endParaRPr lang="en-US"/>
           </a:p>
@@ -949,7 +949,7 @@
           <a:p>
             <a:fld id="{7B9EA29D-D431-42FE-B7B6-AAE4454C77D3}" type="datetime1">
               <a:rPr lang="en-US" smtClean="0"/>
-              <a:t>11/9/20</a:t>
+              <a:t>4/19/21</a:t>
             </a:fld>
             <a:endParaRPr lang="en-US"/>
           </a:p>
@@ -1209,7 +1209,7 @@
           <a:p>
             <a:fld id="{690D8A1E-EA8F-46C1-B891-AE0C00D9C314}" type="datetime1">
               <a:rPr lang="en-US" smtClean="0"/>
-              <a:t>11/9/20</a:t>
+              <a:t>4/19/21</a:t>
             </a:fld>
             <a:endParaRPr lang="en-US"/>
           </a:p>
@@ -1725,7 +1725,7 @@
           <a:p>
             <a:fld id="{DAB365D0-5BFF-4591-B84D-8953AC9A16AD}" type="datetime1">
               <a:rPr lang="en-US" smtClean="0"/>
-              <a:t>11/9/20</a:t>
+              <a:t>4/19/21</a:t>
             </a:fld>
             <a:endParaRPr lang="en-US" dirty="0"/>
           </a:p>
@@ -1959,7 +1959,7 @@
           <a:p>
             <a:fld id="{D753EFC8-4232-4598-94F6-94C0EBAFC469}" type="datetime1">
               <a:rPr lang="en-US" smtClean="0"/>
-              <a:t>11/9/20</a:t>
+              <a:t>4/19/21</a:t>
             </a:fld>
             <a:endParaRPr lang="en-US"/>
           </a:p>
@@ -2274,7 +2274,7 @@
           <a:p>
             <a:fld id="{F3161074-1C18-4AE7-957D-F18524378C85}" type="datetime1">
               <a:rPr lang="en-US" smtClean="0"/>
-              <a:t>11/9/20</a:t>
+              <a:t>4/19/21</a:t>
             </a:fld>
             <a:endParaRPr lang="en-US"/>
           </a:p>
@@ -2548,7 +2548,7 @@
           <a:p>
             <a:fld id="{69BE256C-8D9A-4404-B47D-41A1AE514425}" type="datetime1">
               <a:rPr lang="en-US" smtClean="0"/>
-              <a:t>11/9/20</a:t>
+              <a:t>4/19/21</a:t>
             </a:fld>
             <a:endParaRPr lang="en-US"/>
           </a:p>
@@ -2982,7 +2982,7 @@
           <a:p>
             <a:fld id="{66CB2154-9035-4012-8189-BAAB61C5A5EE}" type="datetime1">
               <a:rPr lang="en-US" smtClean="0"/>
-              <a:t>11/9/20</a:t>
+              <a:t>4/19/21</a:t>
             </a:fld>
             <a:endParaRPr lang="en-US"/>
           </a:p>
@@ -3156,7 +3156,7 @@
           <a:p>
             <a:fld id="{6700A58B-DD98-43D0-B791-721480A02982}" type="datetime1">
               <a:rPr lang="en-US" smtClean="0"/>
-              <a:t>11/9/20</a:t>
+              <a:t>4/19/21</a:t>
             </a:fld>
             <a:endParaRPr lang="en-US"/>
           </a:p>
@@ -3348,7 +3348,7 @@
           <a:p>
             <a:fld id="{7DB6E382-4F61-4E24-BE1A-377EC83D0E3A}" type="datetime1">
               <a:rPr lang="en-US" smtClean="0"/>
-              <a:t>11/9/20</a:t>
+              <a:t>4/19/21</a:t>
             </a:fld>
             <a:endParaRPr lang="en-US"/>
           </a:p>
@@ -3659,7 +3659,7 @@
           <a:p>
             <a:fld id="{4142EED6-FC16-45B9-B8C4-2BC5DBA88325}" type="datetime1">
               <a:rPr lang="en-US" smtClean="0"/>
-              <a:t>11/9/20</a:t>
+              <a:t>4/19/21</a:t>
             </a:fld>
             <a:endParaRPr lang="en-US"/>
           </a:p>
@@ -3977,7 +3977,7 @@
           <a:p>
             <a:fld id="{DF59512B-4F1D-43D7-8819-2F53FEF69650}" type="datetime1">
               <a:rPr lang="en-US" smtClean="0"/>
-              <a:t>11/9/20</a:t>
+              <a:t>4/19/21</a:t>
             </a:fld>
             <a:endParaRPr lang="en-US"/>
           </a:p>
@@ -4253,7 +4253,7 @@
           <a:p>
             <a:fld id="{08437B94-E2BF-44DC-ADC5-B05FC9934E9D}" type="datetime1">
               <a:rPr lang="en-US" smtClean="0"/>
-              <a:t>11/9/20</a:t>
+              <a:t>4/19/21</a:t>
             </a:fld>
             <a:endParaRPr lang="en-US"/>
           </a:p>
@@ -4793,7 +4793,7 @@
           <a:p>
             <a:fld id="{5738B90E-0779-4C36-915C-6F05FCD89456}" type="datetime1">
               <a:rPr lang="en-US" smtClean="0"/>
-              <a:t>11/9/20</a:t>
+              <a:t>4/19/21</a:t>
             </a:fld>
             <a:endParaRPr lang="en-US"/>
           </a:p>
@@ -5224,7 +5224,7 @@
           <a:p>
             <a:fld id="{9B19E99B-5349-415A-8E56-8E989211A366}" type="datetime1">
               <a:rPr lang="en-US" smtClean="0"/>
-              <a:t>11/9/20</a:t>
+              <a:t>4/19/21</a:t>
             </a:fld>
             <a:endParaRPr lang="en-US"/>
           </a:p>
@@ -5334,7 +5334,7 @@
           <a:p>
             <a:fld id="{6700A58B-DD98-43D0-B791-721480A02982}" type="datetime1">
               <a:rPr lang="en-US" smtClean="0"/>
-              <a:t>11/9/20</a:t>
+              <a:t>4/19/21</a:t>
             </a:fld>
             <a:endParaRPr lang="en-US"/>
           </a:p>
@@ -5544,7 +5544,7 @@
           <a:p>
             <a:fld id="{6700A58B-DD98-43D0-B791-721480A02982}" type="datetime1">
               <a:rPr lang="en-US" smtClean="0"/>
-              <a:t>11/9/20</a:t>
+              <a:t>4/19/21</a:t>
             </a:fld>
             <a:endParaRPr lang="en-US"/>
           </a:p>
@@ -5741,7 +5741,7 @@
           <a:p>
             <a:fld id="{6700A58B-DD98-43D0-B791-721480A02982}" type="datetime1">
               <a:rPr lang="en-US" smtClean="0"/>
-              <a:t>11/9/20</a:t>
+              <a:t>4/19/21</a:t>
             </a:fld>
             <a:endParaRPr lang="en-US"/>
           </a:p>
@@ -5929,7 +5929,7 @@
           <a:p>
             <a:fld id="{6700A58B-DD98-43D0-B791-721480A02982}" type="datetime1">
               <a:rPr lang="en-US" smtClean="0"/>
-              <a:t>11/9/20</a:t>
+              <a:t>4/19/21</a:t>
             </a:fld>
             <a:endParaRPr lang="en-US"/>
           </a:p>
@@ -6553,7 +6553,7 @@
           <a:p>
             <a:fld id="{9B19E99B-5349-415A-8E56-8E989211A366}" type="datetime1">
               <a:rPr lang="en-US" smtClean="0"/>
-              <a:t>11/9/20</a:t>
+              <a:t>4/19/21</a:t>
             </a:fld>
             <a:endParaRPr lang="en-US"/>
           </a:p>
@@ -6663,7 +6663,7 @@
           <a:p>
             <a:fld id="{6700A58B-DD98-43D0-B791-721480A02982}" type="datetime1">
               <a:rPr lang="en-US" smtClean="0"/>
-              <a:t>11/9/20</a:t>
+              <a:t>4/19/21</a:t>
             </a:fld>
             <a:endParaRPr lang="en-US"/>
           </a:p>
@@ -7149,7 +7149,7 @@
           <a:p>
             <a:fld id="{6700A58B-DD98-43D0-B791-721480A02982}" type="datetime1">
               <a:rPr lang="en-US" smtClean="0"/>
-              <a:t>11/9/20</a:t>
+              <a:t>4/19/21</a:t>
             </a:fld>
             <a:endParaRPr lang="en-US"/>
           </a:p>
@@ -7304,7 +7304,7 @@
           <a:p>
             <a:fld id="{6700A58B-DD98-43D0-B791-721480A02982}" type="datetime1">
               <a:rPr lang="en-US" smtClean="0"/>
-              <a:t>11/9/20</a:t>
+              <a:t>4/19/21</a:t>
             </a:fld>
             <a:endParaRPr lang="en-US"/>
           </a:p>
@@ -7525,7 +7525,7 @@
           <a:p>
             <a:fld id="{6700A58B-DD98-43D0-B791-721480A02982}" type="datetime1">
               <a:rPr lang="en-US" smtClean="0"/>
-              <a:t>11/9/20</a:t>
+              <a:t>4/19/21</a:t>
             </a:fld>
             <a:endParaRPr lang="en-US"/>
           </a:p>
@@ -7730,7 +7730,7 @@
           <a:p>
             <a:fld id="{6700A58B-DD98-43D0-B791-721480A02982}" type="datetime1">
               <a:rPr lang="en-US" smtClean="0"/>
-              <a:t>11/9/20</a:t>
+              <a:t>4/19/21</a:t>
             </a:fld>
             <a:endParaRPr lang="en-US"/>
           </a:p>
@@ -8077,7 +8077,7 @@
           <a:p>
             <a:fld id="{6700A58B-DD98-43D0-B791-721480A02982}" type="datetime1">
               <a:rPr lang="en-US" smtClean="0"/>
-              <a:t>11/9/20</a:t>
+              <a:t>4/19/21</a:t>
             </a:fld>
             <a:endParaRPr lang="en-US"/>
           </a:p>
@@ -8383,7 +8383,7 @@
           <a:p>
             <a:fld id="{6700A58B-DD98-43D0-B791-721480A02982}" type="datetime1">
               <a:rPr lang="en-US" smtClean="0"/>
-              <a:t>11/9/20</a:t>
+              <a:t>4/19/21</a:t>
             </a:fld>
             <a:endParaRPr lang="en-US"/>
           </a:p>
@@ -8742,7 +8742,7 @@
           <a:p>
             <a:fld id="{6700A58B-DD98-43D0-B791-721480A02982}" type="datetime1">
               <a:rPr lang="en-US" smtClean="0"/>
-              <a:t>11/9/20</a:t>
+              <a:t>4/19/21</a:t>
             </a:fld>
             <a:endParaRPr lang="en-US"/>
           </a:p>
@@ -9045,7 +9045,7 @@
             </a:r>
             <a:r>
               <a:rPr lang="en-US" dirty="0"/>
-              <a:t> came out it was a $40 card.  At the time you could get it in an number of ways.</a:t>
+              <a:t> came out it was a $40 card.  At the time you could get it in a number of ways.</a:t>
             </a:r>
           </a:p>
         </p:txBody>
@@ -9121,7 +9121,7 @@
           <a:p>
             <a:fld id="{6700A58B-DD98-43D0-B791-721480A02982}" type="datetime1">
               <a:rPr lang="en-US" smtClean="0"/>
-              <a:t>11/9/20</a:t>
+              <a:t>4/19/21</a:t>
             </a:fld>
             <a:endParaRPr lang="en-US"/>
           </a:p>
@@ -9301,7 +9301,7 @@
           <a:p>
             <a:fld id="{6700A58B-DD98-43D0-B791-721480A02982}" type="datetime1">
               <a:rPr lang="en-US" smtClean="0"/>
-              <a:t>11/9/20</a:t>
+              <a:t>4/19/21</a:t>
             </a:fld>
             <a:endParaRPr lang="en-US"/>
           </a:p>
@@ -9512,7 +9512,7 @@
           <a:p>
             <a:fld id="{6700A58B-DD98-43D0-B791-721480A02982}" type="datetime1">
               <a:rPr lang="en-US" smtClean="0"/>
-              <a:t>11/9/20</a:t>
+              <a:t>4/19/21</a:t>
             </a:fld>
             <a:endParaRPr lang="en-US"/>
           </a:p>
@@ -10221,7 +10221,7 @@
           <a:p>
             <a:fld id="{9B19E99B-5349-415A-8E56-8E989211A366}" type="datetime1">
               <a:rPr lang="en-US" smtClean="0"/>
-              <a:t>11/9/20</a:t>
+              <a:t>4/19/21</a:t>
             </a:fld>
             <a:endParaRPr lang="en-US"/>
           </a:p>
@@ -10331,7 +10331,7 @@
           <a:p>
             <a:fld id="{6700A58B-DD98-43D0-B791-721480A02982}" type="datetime1">
               <a:rPr lang="en-US" smtClean="0"/>
-              <a:t>11/9/20</a:t>
+              <a:t>4/19/21</a:t>
             </a:fld>
             <a:endParaRPr lang="en-US"/>
           </a:p>
@@ -10516,7 +10516,7 @@
           <a:p>
             <a:fld id="{6700A58B-DD98-43D0-B791-721480A02982}" type="datetime1">
               <a:rPr lang="en-US" smtClean="0"/>
-              <a:t>11/9/20</a:t>
+              <a:t>4/19/21</a:t>
             </a:fld>
             <a:endParaRPr lang="en-US"/>
           </a:p>
@@ -11314,7 +11314,7 @@
           <a:p>
             <a:fld id="{6700A58B-DD98-43D0-B791-721480A02982}" type="datetime1">
               <a:rPr lang="en-US" smtClean="0"/>
-              <a:t>11/9/20</a:t>
+              <a:t>4/19/21</a:t>
             </a:fld>
             <a:endParaRPr lang="en-US"/>
           </a:p>
@@ -12125,7 +12125,7 @@
           <a:p>
             <a:fld id="{6700A58B-DD98-43D0-B791-721480A02982}" type="datetime1">
               <a:rPr lang="en-US" smtClean="0"/>
-              <a:t>11/9/20</a:t>
+              <a:t>4/19/21</a:t>
             </a:fld>
             <a:endParaRPr lang="en-US"/>
           </a:p>
@@ -12445,7 +12445,7 @@
           <a:p>
             <a:fld id="{6700A58B-DD98-43D0-B791-721480A02982}" type="datetime1">
               <a:rPr lang="en-US" smtClean="0"/>
-              <a:t>11/9/20</a:t>
+              <a:t>4/19/21</a:t>
             </a:fld>
             <a:endParaRPr lang="en-US"/>
           </a:p>
@@ -13591,7 +13591,7 @@
           <a:p>
             <a:fld id="{6700A58B-DD98-43D0-B791-721480A02982}" type="datetime1">
               <a:rPr lang="en-US" smtClean="0"/>
-              <a:t>11/9/20</a:t>
+              <a:t>4/19/21</a:t>
             </a:fld>
             <a:endParaRPr lang="en-US"/>
           </a:p>
@@ -14807,7 +14807,7 @@
           <a:p>
             <a:fld id="{6700A58B-DD98-43D0-B791-721480A02982}" type="datetime1">
               <a:rPr lang="en-US" smtClean="0"/>
-              <a:t>11/9/20</a:t>
+              <a:t>4/19/21</a:t>
             </a:fld>
             <a:endParaRPr lang="en-US"/>
           </a:p>
@@ -14994,7 +14994,7 @@
           <a:p>
             <a:fld id="{6700A58B-DD98-43D0-B791-721480A02982}" type="datetime1">
               <a:rPr lang="en-US" smtClean="0"/>
-              <a:t>11/9/20</a:t>
+              <a:t>4/19/21</a:t>
             </a:fld>
             <a:endParaRPr lang="en-US"/>
           </a:p>

--- a/Lessons/K_ConsumerCredit_NonTraditionalInvesting/ConsumerCredit_NonTraditionalMkts.pptx
+++ b/Lessons/K_ConsumerCredit_NonTraditionalInvesting/ConsumerCredit_NonTraditionalMkts.pptx
@@ -5,7 +5,7 @@
     <p:sldMasterId id="2147483660" r:id="rId1"/>
   </p:sldMasterIdLst>
   <p:notesMasterIdLst>
-    <p:notesMasterId r:id="rId29"/>
+    <p:notesMasterId r:id="rId30"/>
   </p:notesMasterIdLst>
   <p:sldIdLst>
     <p:sldId id="297" r:id="rId2"/>
@@ -34,7 +34,8 @@
     <p:sldId id="440" r:id="rId25"/>
     <p:sldId id="441" r:id="rId26"/>
     <p:sldId id="515" r:id="rId27"/>
-    <p:sldId id="445" r:id="rId28"/>
+    <p:sldId id="518" r:id="rId28"/>
+    <p:sldId id="445" r:id="rId29"/>
   </p:sldIdLst>
   <p:sldSz cx="9144000" cy="6858000" type="screen4x3"/>
   <p:notesSz cx="6858000" cy="9144000"/>
@@ -234,7 +235,7 @@
           <a:p>
             <a:fld id="{B0C0A60C-850A-4EA4-9C14-A8FE98B94505}" type="datetimeFigureOut">
               <a:rPr lang="en-US" smtClean="0"/>
-              <a:t>4/19/21</a:t>
+              <a:t>11/22/21</a:t>
             </a:fld>
             <a:endParaRPr lang="en-US"/>
           </a:p>
@@ -731,7 +732,7 @@
           <a:p>
             <a:fld id="{5738B90E-0779-4C36-915C-6F05FCD89456}" type="datetime1">
               <a:rPr lang="en-US" smtClean="0"/>
-              <a:t>4/19/21</a:t>
+              <a:t>11/22/21</a:t>
             </a:fld>
             <a:endParaRPr lang="en-US"/>
           </a:p>
@@ -949,7 +950,7 @@
           <a:p>
             <a:fld id="{7B9EA29D-D431-42FE-B7B6-AAE4454C77D3}" type="datetime1">
               <a:rPr lang="en-US" smtClean="0"/>
-              <a:t>4/19/21</a:t>
+              <a:t>11/22/21</a:t>
             </a:fld>
             <a:endParaRPr lang="en-US"/>
           </a:p>
@@ -1209,7 +1210,7 @@
           <a:p>
             <a:fld id="{690D8A1E-EA8F-46C1-B891-AE0C00D9C314}" type="datetime1">
               <a:rPr lang="en-US" smtClean="0"/>
-              <a:t>4/19/21</a:t>
+              <a:t>11/22/21</a:t>
             </a:fld>
             <a:endParaRPr lang="en-US"/>
           </a:p>
@@ -1725,7 +1726,7 @@
           <a:p>
             <a:fld id="{DAB365D0-5BFF-4591-B84D-8953AC9A16AD}" type="datetime1">
               <a:rPr lang="en-US" smtClean="0"/>
-              <a:t>4/19/21</a:t>
+              <a:t>11/22/21</a:t>
             </a:fld>
             <a:endParaRPr lang="en-US" dirty="0"/>
           </a:p>
@@ -1959,7 +1960,7 @@
           <a:p>
             <a:fld id="{D753EFC8-4232-4598-94F6-94C0EBAFC469}" type="datetime1">
               <a:rPr lang="en-US" smtClean="0"/>
-              <a:t>4/19/21</a:t>
+              <a:t>11/22/21</a:t>
             </a:fld>
             <a:endParaRPr lang="en-US"/>
           </a:p>
@@ -2274,7 +2275,7 @@
           <a:p>
             <a:fld id="{F3161074-1C18-4AE7-957D-F18524378C85}" type="datetime1">
               <a:rPr lang="en-US" smtClean="0"/>
-              <a:t>4/19/21</a:t>
+              <a:t>11/22/21</a:t>
             </a:fld>
             <a:endParaRPr lang="en-US"/>
           </a:p>
@@ -2548,7 +2549,7 @@
           <a:p>
             <a:fld id="{69BE256C-8D9A-4404-B47D-41A1AE514425}" type="datetime1">
               <a:rPr lang="en-US" smtClean="0"/>
-              <a:t>4/19/21</a:t>
+              <a:t>11/22/21</a:t>
             </a:fld>
             <a:endParaRPr lang="en-US"/>
           </a:p>
@@ -2982,7 +2983,7 @@
           <a:p>
             <a:fld id="{66CB2154-9035-4012-8189-BAAB61C5A5EE}" type="datetime1">
               <a:rPr lang="en-US" smtClean="0"/>
-              <a:t>4/19/21</a:t>
+              <a:t>11/22/21</a:t>
             </a:fld>
             <a:endParaRPr lang="en-US"/>
           </a:p>
@@ -3156,7 +3157,7 @@
           <a:p>
             <a:fld id="{6700A58B-DD98-43D0-B791-721480A02982}" type="datetime1">
               <a:rPr lang="en-US" smtClean="0"/>
-              <a:t>4/19/21</a:t>
+              <a:t>11/22/21</a:t>
             </a:fld>
             <a:endParaRPr lang="en-US"/>
           </a:p>
@@ -3348,7 +3349,7 @@
           <a:p>
             <a:fld id="{7DB6E382-4F61-4E24-BE1A-377EC83D0E3A}" type="datetime1">
               <a:rPr lang="en-US" smtClean="0"/>
-              <a:t>4/19/21</a:t>
+              <a:t>11/22/21</a:t>
             </a:fld>
             <a:endParaRPr lang="en-US"/>
           </a:p>
@@ -3659,7 +3660,7 @@
           <a:p>
             <a:fld id="{4142EED6-FC16-45B9-B8C4-2BC5DBA88325}" type="datetime1">
               <a:rPr lang="en-US" smtClean="0"/>
-              <a:t>4/19/21</a:t>
+              <a:t>11/22/21</a:t>
             </a:fld>
             <a:endParaRPr lang="en-US"/>
           </a:p>
@@ -3977,7 +3978,7 @@
           <a:p>
             <a:fld id="{DF59512B-4F1D-43D7-8819-2F53FEF69650}" type="datetime1">
               <a:rPr lang="en-US" smtClean="0"/>
-              <a:t>4/19/21</a:t>
+              <a:t>11/22/21</a:t>
             </a:fld>
             <a:endParaRPr lang="en-US"/>
           </a:p>
@@ -4253,7 +4254,7 @@
           <a:p>
             <a:fld id="{08437B94-E2BF-44DC-ADC5-B05FC9934E9D}" type="datetime1">
               <a:rPr lang="en-US" smtClean="0"/>
-              <a:t>4/19/21</a:t>
+              <a:t>11/22/21</a:t>
             </a:fld>
             <a:endParaRPr lang="en-US"/>
           </a:p>
@@ -4793,7 +4794,7 @@
           <a:p>
             <a:fld id="{5738B90E-0779-4C36-915C-6F05FCD89456}" type="datetime1">
               <a:rPr lang="en-US" smtClean="0"/>
-              <a:t>4/19/21</a:t>
+              <a:t>11/22/21</a:t>
             </a:fld>
             <a:endParaRPr lang="en-US"/>
           </a:p>
@@ -5224,7 +5225,7 @@
           <a:p>
             <a:fld id="{9B19E99B-5349-415A-8E56-8E989211A366}" type="datetime1">
               <a:rPr lang="en-US" smtClean="0"/>
-              <a:t>4/19/21</a:t>
+              <a:t>11/22/21</a:t>
             </a:fld>
             <a:endParaRPr lang="en-US"/>
           </a:p>
@@ -5334,7 +5335,7 @@
           <a:p>
             <a:fld id="{6700A58B-DD98-43D0-B791-721480A02982}" type="datetime1">
               <a:rPr lang="en-US" smtClean="0"/>
-              <a:t>4/19/21</a:t>
+              <a:t>11/22/21</a:t>
             </a:fld>
             <a:endParaRPr lang="en-US"/>
           </a:p>
@@ -5544,7 +5545,7 @@
           <a:p>
             <a:fld id="{6700A58B-DD98-43D0-B791-721480A02982}" type="datetime1">
               <a:rPr lang="en-US" smtClean="0"/>
-              <a:t>4/19/21</a:t>
+              <a:t>11/22/21</a:t>
             </a:fld>
             <a:endParaRPr lang="en-US"/>
           </a:p>
@@ -5741,7 +5742,7 @@
           <a:p>
             <a:fld id="{6700A58B-DD98-43D0-B791-721480A02982}" type="datetime1">
               <a:rPr lang="en-US" smtClean="0"/>
-              <a:t>4/19/21</a:t>
+              <a:t>11/22/21</a:t>
             </a:fld>
             <a:endParaRPr lang="en-US"/>
           </a:p>
@@ -5929,7 +5930,7 @@
           <a:p>
             <a:fld id="{6700A58B-DD98-43D0-B791-721480A02982}" type="datetime1">
               <a:rPr lang="en-US" smtClean="0"/>
-              <a:t>4/19/21</a:t>
+              <a:t>11/22/21</a:t>
             </a:fld>
             <a:endParaRPr lang="en-US"/>
           </a:p>
@@ -6553,7 +6554,7 @@
           <a:p>
             <a:fld id="{9B19E99B-5349-415A-8E56-8E989211A366}" type="datetime1">
               <a:rPr lang="en-US" smtClean="0"/>
-              <a:t>4/19/21</a:t>
+              <a:t>11/22/21</a:t>
             </a:fld>
             <a:endParaRPr lang="en-US"/>
           </a:p>
@@ -6663,7 +6664,7 @@
           <a:p>
             <a:fld id="{6700A58B-DD98-43D0-B791-721480A02982}" type="datetime1">
               <a:rPr lang="en-US" smtClean="0"/>
-              <a:t>4/19/21</a:t>
+              <a:t>11/22/21</a:t>
             </a:fld>
             <a:endParaRPr lang="en-US"/>
           </a:p>
@@ -7149,7 +7150,7 @@
           <a:p>
             <a:fld id="{6700A58B-DD98-43D0-B791-721480A02982}" type="datetime1">
               <a:rPr lang="en-US" smtClean="0"/>
-              <a:t>4/19/21</a:t>
+              <a:t>11/22/21</a:t>
             </a:fld>
             <a:endParaRPr lang="en-US"/>
           </a:p>
@@ -7304,7 +7305,7 @@
           <a:p>
             <a:fld id="{6700A58B-DD98-43D0-B791-721480A02982}" type="datetime1">
               <a:rPr lang="en-US" smtClean="0"/>
-              <a:t>4/19/21</a:t>
+              <a:t>11/22/21</a:t>
             </a:fld>
             <a:endParaRPr lang="en-US"/>
           </a:p>
@@ -7525,7 +7526,7 @@
           <a:p>
             <a:fld id="{6700A58B-DD98-43D0-B791-721480A02982}" type="datetime1">
               <a:rPr lang="en-US" smtClean="0"/>
-              <a:t>4/19/21</a:t>
+              <a:t>11/22/21</a:t>
             </a:fld>
             <a:endParaRPr lang="en-US"/>
           </a:p>
@@ -7730,7 +7731,7 @@
           <a:p>
             <a:fld id="{6700A58B-DD98-43D0-B791-721480A02982}" type="datetime1">
               <a:rPr lang="en-US" smtClean="0"/>
-              <a:t>4/19/21</a:t>
+              <a:t>11/22/21</a:t>
             </a:fld>
             <a:endParaRPr lang="en-US"/>
           </a:p>
@@ -8077,7 +8078,7 @@
           <a:p>
             <a:fld id="{6700A58B-DD98-43D0-B791-721480A02982}" type="datetime1">
               <a:rPr lang="en-US" smtClean="0"/>
-              <a:t>4/19/21</a:t>
+              <a:t>11/22/21</a:t>
             </a:fld>
             <a:endParaRPr lang="en-US"/>
           </a:p>
@@ -8383,7 +8384,7 @@
           <a:p>
             <a:fld id="{6700A58B-DD98-43D0-B791-721480A02982}" type="datetime1">
               <a:rPr lang="en-US" smtClean="0"/>
-              <a:t>4/19/21</a:t>
+              <a:t>11/22/21</a:t>
             </a:fld>
             <a:endParaRPr lang="en-US"/>
           </a:p>
@@ -8742,7 +8743,7 @@
           <a:p>
             <a:fld id="{6700A58B-DD98-43D0-B791-721480A02982}" type="datetime1">
               <a:rPr lang="en-US" smtClean="0"/>
-              <a:t>4/19/21</a:t>
+              <a:t>11/22/21</a:t>
             </a:fld>
             <a:endParaRPr lang="en-US"/>
           </a:p>
@@ -9121,7 +9122,7 @@
           <a:p>
             <a:fld id="{6700A58B-DD98-43D0-B791-721480A02982}" type="datetime1">
               <a:rPr lang="en-US" smtClean="0"/>
-              <a:t>4/19/21</a:t>
+              <a:t>11/22/21</a:t>
             </a:fld>
             <a:endParaRPr lang="en-US"/>
           </a:p>
@@ -9301,7 +9302,7 @@
           <a:p>
             <a:fld id="{6700A58B-DD98-43D0-B791-721480A02982}" type="datetime1">
               <a:rPr lang="en-US" smtClean="0"/>
-              <a:t>4/19/21</a:t>
+              <a:t>11/22/21</a:t>
             </a:fld>
             <a:endParaRPr lang="en-US"/>
           </a:p>
@@ -9512,7 +9513,7 @@
           <a:p>
             <a:fld id="{6700A58B-DD98-43D0-B791-721480A02982}" type="datetime1">
               <a:rPr lang="en-US" smtClean="0"/>
-              <a:t>4/19/21</a:t>
+              <a:t>11/22/21</a:t>
             </a:fld>
             <a:endParaRPr lang="en-US"/>
           </a:p>
@@ -10221,7 +10222,7 @@
           <a:p>
             <a:fld id="{9B19E99B-5349-415A-8E56-8E989211A366}" type="datetime1">
               <a:rPr lang="en-US" smtClean="0"/>
-              <a:t>4/19/21</a:t>
+              <a:t>11/22/21</a:t>
             </a:fld>
             <a:endParaRPr lang="en-US"/>
           </a:p>
@@ -10292,6 +10293,572 @@
       </p:grpSpPr>
       <p:sp>
         <p:nvSpPr>
+          <p:cNvPr id="2" name="Title 1">
+            <a:extLst>
+              <a:ext uri="{FF2B5EF4-FFF2-40B4-BE49-F238E27FC236}">
+                <a16:creationId xmlns:a16="http://schemas.microsoft.com/office/drawing/2014/main" id="{97537F79-5C8A-524A-8636-4B1BF8A9C191}"/>
+              </a:ext>
+            </a:extLst>
+          </p:cNvPr>
+          <p:cNvSpPr>
+            <a:spLocks noGrp="1"/>
+          </p:cNvSpPr>
+          <p:nvPr>
+            <p:ph type="title"/>
+          </p:nvPr>
+        </p:nvSpPr>
+        <p:spPr/>
+        <p:txBody>
+          <a:bodyPr/>
+          <a:lstStyle/>
+          <a:p>
+            <a:r>
+              <a:rPr lang="en-US" dirty="0"/>
+              <a:t>Sample with a probability</a:t>
+            </a:r>
+          </a:p>
+        </p:txBody>
+      </p:sp>
+      <p:sp>
+        <p:nvSpPr>
+          <p:cNvPr id="3" name="Content Placeholder 2">
+            <a:extLst>
+              <a:ext uri="{FF2B5EF4-FFF2-40B4-BE49-F238E27FC236}">
+                <a16:creationId xmlns:a16="http://schemas.microsoft.com/office/drawing/2014/main" id="{E6352219-3537-B543-A297-F06A4F073F69}"/>
+              </a:ext>
+            </a:extLst>
+          </p:cNvPr>
+          <p:cNvSpPr>
+            <a:spLocks noGrp="1"/>
+          </p:cNvSpPr>
+          <p:nvPr>
+            <p:ph idx="1"/>
+          </p:nvPr>
+        </p:nvSpPr>
+        <p:spPr>
+          <a:xfrm>
+            <a:off x="628650" y="1111347"/>
+            <a:ext cx="7886700" cy="787791"/>
+          </a:xfrm>
+        </p:spPr>
+        <p:txBody>
+          <a:bodyPr/>
+          <a:lstStyle/>
+          <a:p>
+            <a:r>
+              <a:rPr lang="en-US" dirty="0"/>
+              <a:t>When you don’t want a random sample, then you can declare probability weights.</a:t>
+            </a:r>
+          </a:p>
+        </p:txBody>
+      </p:sp>
+      <p:sp>
+        <p:nvSpPr>
+          <p:cNvPr id="4" name="Date Placeholder 3">
+            <a:extLst>
+              <a:ext uri="{FF2B5EF4-FFF2-40B4-BE49-F238E27FC236}">
+                <a16:creationId xmlns:a16="http://schemas.microsoft.com/office/drawing/2014/main" id="{F3A031B9-3539-804E-9056-9BDEE29D4639}"/>
+              </a:ext>
+            </a:extLst>
+          </p:cNvPr>
+          <p:cNvSpPr>
+            <a:spLocks noGrp="1"/>
+          </p:cNvSpPr>
+          <p:nvPr>
+            <p:ph type="dt" sz="half" idx="10"/>
+          </p:nvPr>
+        </p:nvSpPr>
+        <p:spPr/>
+        <p:txBody>
+          <a:bodyPr/>
+          <a:lstStyle/>
+          <a:p>
+            <a:fld id="{D753EFC8-4232-4598-94F6-94C0EBAFC469}" type="datetime1">
+              <a:rPr lang="en-US" smtClean="0"/>
+              <a:t>11/22/21</a:t>
+            </a:fld>
+            <a:endParaRPr lang="en-US"/>
+          </a:p>
+        </p:txBody>
+      </p:sp>
+      <p:sp>
+        <p:nvSpPr>
+          <p:cNvPr id="5" name="Slide Number Placeholder 4">
+            <a:extLst>
+              <a:ext uri="{FF2B5EF4-FFF2-40B4-BE49-F238E27FC236}">
+                <a16:creationId xmlns:a16="http://schemas.microsoft.com/office/drawing/2014/main" id="{E24B1122-DB8F-754D-9D9F-5DBE851B0514}"/>
+              </a:ext>
+            </a:extLst>
+          </p:cNvPr>
+          <p:cNvSpPr>
+            <a:spLocks noGrp="1"/>
+          </p:cNvSpPr>
+          <p:nvPr>
+            <p:ph type="sldNum" sz="quarter" idx="12"/>
+          </p:nvPr>
+        </p:nvSpPr>
+        <p:spPr/>
+        <p:txBody>
+          <a:bodyPr/>
+          <a:lstStyle/>
+          <a:p>
+            <a:fld id="{37290FF7-652B-4475-AEAB-8B1A5D23AE09}" type="slidenum">
+              <a:rPr lang="en-US" smtClean="0"/>
+              <a:t>27</a:t>
+            </a:fld>
+            <a:endParaRPr lang="en-US"/>
+          </a:p>
+        </p:txBody>
+      </p:sp>
+      <p:sp>
+        <p:nvSpPr>
+          <p:cNvPr id="6" name="Footer Placeholder 5">
+            <a:extLst>
+              <a:ext uri="{FF2B5EF4-FFF2-40B4-BE49-F238E27FC236}">
+                <a16:creationId xmlns:a16="http://schemas.microsoft.com/office/drawing/2014/main" id="{BF06AE7B-C93D-4645-B6AE-ADAEA7204245}"/>
+              </a:ext>
+            </a:extLst>
+          </p:cNvPr>
+          <p:cNvSpPr>
+            <a:spLocks noGrp="1"/>
+          </p:cNvSpPr>
+          <p:nvPr>
+            <p:ph type="ftr" sz="quarter" idx="3"/>
+          </p:nvPr>
+        </p:nvSpPr>
+        <p:spPr/>
+        <p:txBody>
+          <a:bodyPr/>
+          <a:lstStyle/>
+          <a:p>
+            <a:r>
+              <a:rPr lang="en-US"/>
+              <a:t>Kwartler CSCI S-96</a:t>
+            </a:r>
+            <a:endParaRPr lang="en-US" dirty="0"/>
+          </a:p>
+        </p:txBody>
+      </p:sp>
+      <p:sp>
+        <p:nvSpPr>
+          <p:cNvPr id="8" name="TextBox 7">
+            <a:extLst>
+              <a:ext uri="{FF2B5EF4-FFF2-40B4-BE49-F238E27FC236}">
+                <a16:creationId xmlns:a16="http://schemas.microsoft.com/office/drawing/2014/main" id="{C80E3D74-DBBA-EB42-B2CA-368FDD52478C}"/>
+              </a:ext>
+            </a:extLst>
+          </p:cNvPr>
+          <p:cNvSpPr txBox="1"/>
+          <p:nvPr/>
+        </p:nvSpPr>
+        <p:spPr>
+          <a:xfrm>
+            <a:off x="253219" y="2001356"/>
+            <a:ext cx="8581292" cy="2585323"/>
+          </a:xfrm>
+          <a:prstGeom prst="rect">
+            <a:avLst/>
+          </a:prstGeom>
+          <a:noFill/>
+        </p:spPr>
+        <p:txBody>
+          <a:bodyPr wrap="square">
+            <a:spAutoFit/>
+          </a:bodyPr>
+          <a:lstStyle/>
+          <a:p>
+            <a:r>
+              <a:rPr lang="en-US" dirty="0" err="1">
+                <a:highlight>
+                  <a:srgbClr val="C0C0C0"/>
+                </a:highlight>
+                <a:latin typeface="Consolas" panose="020B0609020204030204" pitchFamily="49" charset="0"/>
+                <a:cs typeface="Consolas" panose="020B0609020204030204" pitchFamily="49" charset="0"/>
+              </a:rPr>
+              <a:t>idx</a:t>
+            </a:r>
+            <a:r>
+              <a:rPr lang="en-US" dirty="0">
+                <a:highlight>
+                  <a:srgbClr val="C0C0C0"/>
+                </a:highlight>
+                <a:latin typeface="Consolas" panose="020B0609020204030204" pitchFamily="49" charset="0"/>
+                <a:cs typeface="Consolas" panose="020B0609020204030204" pitchFamily="49" charset="0"/>
+              </a:rPr>
+              <a:t> &lt;- 1:10</a:t>
+            </a:r>
+          </a:p>
+          <a:p>
+            <a:endParaRPr lang="en-US" dirty="0">
+              <a:highlight>
+                <a:srgbClr val="C0C0C0"/>
+              </a:highlight>
+              <a:latin typeface="Consolas" panose="020B0609020204030204" pitchFamily="49" charset="0"/>
+              <a:cs typeface="Consolas" panose="020B0609020204030204" pitchFamily="49" charset="0"/>
+            </a:endParaRPr>
+          </a:p>
+          <a:p>
+            <a:r>
+              <a:rPr lang="en-US" dirty="0">
+                <a:highlight>
+                  <a:srgbClr val="C0C0C0"/>
+                </a:highlight>
+                <a:latin typeface="Consolas" panose="020B0609020204030204" pitchFamily="49" charset="0"/>
+                <a:cs typeface="Consolas" panose="020B0609020204030204" pitchFamily="49" charset="0"/>
+              </a:rPr>
+              <a:t># Equal Probs</a:t>
+            </a:r>
+          </a:p>
+          <a:p>
+            <a:r>
+              <a:rPr lang="en-US" dirty="0" err="1">
+                <a:highlight>
+                  <a:srgbClr val="C0C0C0"/>
+                </a:highlight>
+                <a:latin typeface="Consolas" panose="020B0609020204030204" pitchFamily="49" charset="0"/>
+                <a:cs typeface="Consolas" panose="020B0609020204030204" pitchFamily="49" charset="0"/>
+              </a:rPr>
+              <a:t>set.seed</a:t>
+            </a:r>
+            <a:r>
+              <a:rPr lang="en-US" dirty="0">
+                <a:highlight>
+                  <a:srgbClr val="C0C0C0"/>
+                </a:highlight>
+                <a:latin typeface="Consolas" panose="020B0609020204030204" pitchFamily="49" charset="0"/>
+                <a:cs typeface="Consolas" panose="020B0609020204030204" pitchFamily="49" charset="0"/>
+              </a:rPr>
+              <a:t>(123)</a:t>
+            </a:r>
+          </a:p>
+          <a:p>
+            <a:r>
+              <a:rPr lang="en-US" dirty="0">
+                <a:highlight>
+                  <a:srgbClr val="C0C0C0"/>
+                </a:highlight>
+                <a:latin typeface="Consolas" panose="020B0609020204030204" pitchFamily="49" charset="0"/>
+                <a:cs typeface="Consolas" panose="020B0609020204030204" pitchFamily="49" charset="0"/>
+              </a:rPr>
+              <a:t>sample(idx,3)</a:t>
+            </a:r>
+          </a:p>
+          <a:p>
+            <a:endParaRPr lang="en-US" dirty="0">
+              <a:highlight>
+                <a:srgbClr val="C0C0C0"/>
+              </a:highlight>
+              <a:latin typeface="Consolas" panose="020B0609020204030204" pitchFamily="49" charset="0"/>
+              <a:cs typeface="Consolas" panose="020B0609020204030204" pitchFamily="49" charset="0"/>
+            </a:endParaRPr>
+          </a:p>
+          <a:p>
+            <a:r>
+              <a:rPr lang="en-US" dirty="0">
+                <a:highlight>
+                  <a:srgbClr val="C0C0C0"/>
+                </a:highlight>
+                <a:latin typeface="Consolas" panose="020B0609020204030204" pitchFamily="49" charset="0"/>
+                <a:cs typeface="Consolas" panose="020B0609020204030204" pitchFamily="49" charset="0"/>
+              </a:rPr>
+              <a:t># Example Probs</a:t>
+            </a:r>
+          </a:p>
+          <a:p>
+            <a:r>
+              <a:rPr lang="en-US" dirty="0" err="1">
+                <a:highlight>
+                  <a:srgbClr val="C0C0C0"/>
+                </a:highlight>
+                <a:latin typeface="Consolas" panose="020B0609020204030204" pitchFamily="49" charset="0"/>
+                <a:cs typeface="Consolas" panose="020B0609020204030204" pitchFamily="49" charset="0"/>
+              </a:rPr>
+              <a:t>set.seed</a:t>
+            </a:r>
+            <a:r>
+              <a:rPr lang="en-US" dirty="0">
+                <a:highlight>
+                  <a:srgbClr val="C0C0C0"/>
+                </a:highlight>
+                <a:latin typeface="Consolas" panose="020B0609020204030204" pitchFamily="49" charset="0"/>
+                <a:cs typeface="Consolas" panose="020B0609020204030204" pitchFamily="49" charset="0"/>
+              </a:rPr>
+              <a:t>(123)</a:t>
+            </a:r>
+          </a:p>
+          <a:p>
+            <a:r>
+              <a:rPr lang="en-US" dirty="0">
+                <a:highlight>
+                  <a:srgbClr val="C0C0C0"/>
+                </a:highlight>
+                <a:latin typeface="Consolas" panose="020B0609020204030204" pitchFamily="49" charset="0"/>
+                <a:cs typeface="Consolas" panose="020B0609020204030204" pitchFamily="49" charset="0"/>
+              </a:rPr>
+              <a:t>sample(</a:t>
+            </a:r>
+            <a:r>
+              <a:rPr lang="en-US" dirty="0" err="1">
+                <a:highlight>
+                  <a:srgbClr val="C0C0C0"/>
+                </a:highlight>
+                <a:latin typeface="Consolas" panose="020B0609020204030204" pitchFamily="49" charset="0"/>
+                <a:cs typeface="Consolas" panose="020B0609020204030204" pitchFamily="49" charset="0"/>
+              </a:rPr>
+              <a:t>idx</a:t>
+            </a:r>
+            <a:r>
+              <a:rPr lang="en-US" dirty="0">
+                <a:highlight>
+                  <a:srgbClr val="C0C0C0"/>
+                </a:highlight>
+                <a:latin typeface="Consolas" panose="020B0609020204030204" pitchFamily="49" charset="0"/>
+                <a:cs typeface="Consolas" panose="020B0609020204030204" pitchFamily="49" charset="0"/>
+              </a:rPr>
+              <a:t>, 3, replace = T, prob = c(0,0,1,0,0,0,0,0,0,0))</a:t>
+            </a:r>
+          </a:p>
+        </p:txBody>
+      </p:sp>
+      <p:sp>
+        <p:nvSpPr>
+          <p:cNvPr id="9" name="Content Placeholder 2">
+            <a:extLst>
+              <a:ext uri="{FF2B5EF4-FFF2-40B4-BE49-F238E27FC236}">
+                <a16:creationId xmlns:a16="http://schemas.microsoft.com/office/drawing/2014/main" id="{9472247E-0833-8441-B91C-5109341BAC6C}"/>
+              </a:ext>
+            </a:extLst>
+          </p:cNvPr>
+          <p:cNvSpPr txBox="1">
+            <a:spLocks/>
+          </p:cNvSpPr>
+          <p:nvPr/>
+        </p:nvSpPr>
+        <p:spPr>
+          <a:xfrm>
+            <a:off x="600515" y="5237534"/>
+            <a:ext cx="7886700" cy="787791"/>
+          </a:xfrm>
+          <a:prstGeom prst="rect">
+            <a:avLst/>
+          </a:prstGeom>
+        </p:spPr>
+        <p:txBody>
+          <a:bodyPr vert="horz" lIns="91440" tIns="45720" rIns="91440" bIns="45720" rtlCol="0">
+            <a:normAutofit/>
+          </a:bodyPr>
+          <a:lstStyle>
+            <a:lvl1pPr marL="171450" indent="-171450" algn="l" defTabSz="685800" rtl="0" eaLnBrk="1" latinLnBrk="0" hangingPunct="1">
+              <a:lnSpc>
+                <a:spcPct val="90000"/>
+              </a:lnSpc>
+              <a:spcBef>
+                <a:spcPts val="750"/>
+              </a:spcBef>
+              <a:buFont typeface="Arial" panose="020B0604020202020204" pitchFamily="34" charset="0"/>
+              <a:buChar char="•"/>
+              <a:defRPr sz="2100" kern="1200">
+                <a:solidFill>
+                  <a:schemeClr val="tx1"/>
+                </a:solidFill>
+                <a:latin typeface="+mn-lt"/>
+                <a:ea typeface="+mn-ea"/>
+                <a:cs typeface="+mn-cs"/>
+              </a:defRPr>
+            </a:lvl1pPr>
+            <a:lvl2pPr marL="514350" indent="-171450" algn="l" defTabSz="685800" rtl="0" eaLnBrk="1" latinLnBrk="0" hangingPunct="1">
+              <a:lnSpc>
+                <a:spcPct val="90000"/>
+              </a:lnSpc>
+              <a:spcBef>
+                <a:spcPts val="375"/>
+              </a:spcBef>
+              <a:buFont typeface="Arial" panose="020B0604020202020204" pitchFamily="34" charset="0"/>
+              <a:buChar char="•"/>
+              <a:defRPr sz="1800" kern="1200">
+                <a:solidFill>
+                  <a:schemeClr val="tx1"/>
+                </a:solidFill>
+                <a:latin typeface="+mn-lt"/>
+                <a:ea typeface="+mn-ea"/>
+                <a:cs typeface="+mn-cs"/>
+              </a:defRPr>
+            </a:lvl2pPr>
+            <a:lvl3pPr marL="857250" indent="-171450" algn="l" defTabSz="685800" rtl="0" eaLnBrk="1" latinLnBrk="0" hangingPunct="1">
+              <a:lnSpc>
+                <a:spcPct val="90000"/>
+              </a:lnSpc>
+              <a:spcBef>
+                <a:spcPts val="375"/>
+              </a:spcBef>
+              <a:buFont typeface="Arial" panose="020B0604020202020204" pitchFamily="34" charset="0"/>
+              <a:buChar char="•"/>
+              <a:defRPr sz="1500" kern="1200">
+                <a:solidFill>
+                  <a:schemeClr val="tx1"/>
+                </a:solidFill>
+                <a:latin typeface="+mn-lt"/>
+                <a:ea typeface="+mn-ea"/>
+                <a:cs typeface="+mn-cs"/>
+              </a:defRPr>
+            </a:lvl3pPr>
+            <a:lvl4pPr marL="1200150" indent="-171450" algn="l" defTabSz="685800" rtl="0" eaLnBrk="1" latinLnBrk="0" hangingPunct="1">
+              <a:lnSpc>
+                <a:spcPct val="90000"/>
+              </a:lnSpc>
+              <a:spcBef>
+                <a:spcPts val="375"/>
+              </a:spcBef>
+              <a:buFont typeface="Arial" panose="020B0604020202020204" pitchFamily="34" charset="0"/>
+              <a:buChar char="•"/>
+              <a:defRPr sz="1350" kern="1200">
+                <a:solidFill>
+                  <a:schemeClr val="tx1"/>
+                </a:solidFill>
+                <a:latin typeface="+mn-lt"/>
+                <a:ea typeface="+mn-ea"/>
+                <a:cs typeface="+mn-cs"/>
+              </a:defRPr>
+            </a:lvl4pPr>
+            <a:lvl5pPr marL="1543050" indent="-171450" algn="l" defTabSz="685800" rtl="0" eaLnBrk="1" latinLnBrk="0" hangingPunct="1">
+              <a:lnSpc>
+                <a:spcPct val="90000"/>
+              </a:lnSpc>
+              <a:spcBef>
+                <a:spcPts val="375"/>
+              </a:spcBef>
+              <a:buFont typeface="Arial" panose="020B0604020202020204" pitchFamily="34" charset="0"/>
+              <a:buChar char="•"/>
+              <a:defRPr sz="1350" kern="1200">
+                <a:solidFill>
+                  <a:schemeClr val="tx1"/>
+                </a:solidFill>
+                <a:latin typeface="+mn-lt"/>
+                <a:ea typeface="+mn-ea"/>
+                <a:cs typeface="+mn-cs"/>
+              </a:defRPr>
+            </a:lvl5pPr>
+            <a:lvl6pPr marL="1885950" indent="-171450" algn="l" defTabSz="685800" rtl="0" eaLnBrk="1" latinLnBrk="0" hangingPunct="1">
+              <a:lnSpc>
+                <a:spcPct val="90000"/>
+              </a:lnSpc>
+              <a:spcBef>
+                <a:spcPts val="375"/>
+              </a:spcBef>
+              <a:buFont typeface="Arial" panose="020B0604020202020204" pitchFamily="34" charset="0"/>
+              <a:buChar char="•"/>
+              <a:defRPr sz="1350" kern="1200">
+                <a:solidFill>
+                  <a:schemeClr val="tx1"/>
+                </a:solidFill>
+                <a:latin typeface="+mn-lt"/>
+                <a:ea typeface="+mn-ea"/>
+                <a:cs typeface="+mn-cs"/>
+              </a:defRPr>
+            </a:lvl6pPr>
+            <a:lvl7pPr marL="2228850" indent="-171450" algn="l" defTabSz="685800" rtl="0" eaLnBrk="1" latinLnBrk="0" hangingPunct="1">
+              <a:lnSpc>
+                <a:spcPct val="90000"/>
+              </a:lnSpc>
+              <a:spcBef>
+                <a:spcPts val="375"/>
+              </a:spcBef>
+              <a:buFont typeface="Arial" panose="020B0604020202020204" pitchFamily="34" charset="0"/>
+              <a:buChar char="•"/>
+              <a:defRPr sz="1350" kern="1200">
+                <a:solidFill>
+                  <a:schemeClr val="tx1"/>
+                </a:solidFill>
+                <a:latin typeface="+mn-lt"/>
+                <a:ea typeface="+mn-ea"/>
+                <a:cs typeface="+mn-cs"/>
+              </a:defRPr>
+            </a:lvl7pPr>
+            <a:lvl8pPr marL="2571750" indent="-171450" algn="l" defTabSz="685800" rtl="0" eaLnBrk="1" latinLnBrk="0" hangingPunct="1">
+              <a:lnSpc>
+                <a:spcPct val="90000"/>
+              </a:lnSpc>
+              <a:spcBef>
+                <a:spcPts val="375"/>
+              </a:spcBef>
+              <a:buFont typeface="Arial" panose="020B0604020202020204" pitchFamily="34" charset="0"/>
+              <a:buChar char="•"/>
+              <a:defRPr sz="1350" kern="1200">
+                <a:solidFill>
+                  <a:schemeClr val="tx1"/>
+                </a:solidFill>
+                <a:latin typeface="+mn-lt"/>
+                <a:ea typeface="+mn-ea"/>
+                <a:cs typeface="+mn-cs"/>
+              </a:defRPr>
+            </a:lvl8pPr>
+            <a:lvl9pPr marL="2914650" indent="-171450" algn="l" defTabSz="685800" rtl="0" eaLnBrk="1" latinLnBrk="0" hangingPunct="1">
+              <a:lnSpc>
+                <a:spcPct val="90000"/>
+              </a:lnSpc>
+              <a:spcBef>
+                <a:spcPts val="375"/>
+              </a:spcBef>
+              <a:buFont typeface="Arial" panose="020B0604020202020204" pitchFamily="34" charset="0"/>
+              <a:buChar char="•"/>
+              <a:defRPr sz="1350" kern="1200">
+                <a:solidFill>
+                  <a:schemeClr val="tx1"/>
+                </a:solidFill>
+                <a:latin typeface="+mn-lt"/>
+                <a:ea typeface="+mn-ea"/>
+                <a:cs typeface="+mn-cs"/>
+              </a:defRPr>
+            </a:lvl9pPr>
+          </a:lstStyle>
+          <a:p>
+            <a:pPr marL="0" indent="0">
+              <a:buNone/>
+            </a:pPr>
+            <a:r>
+              <a:rPr lang="en-US" dirty="0"/>
+              <a:t>Open </a:t>
+            </a:r>
+            <a:r>
+              <a:rPr lang="en-US" dirty="0" err="1"/>
+              <a:t>C_sample_w_probs.R</a:t>
+            </a:r>
+            <a:endParaRPr lang="en-US" dirty="0"/>
+          </a:p>
+        </p:txBody>
+      </p:sp>
+    </p:spTree>
+    <p:extLst>
+      <p:ext uri="{BB962C8B-B14F-4D97-AF65-F5344CB8AC3E}">
+        <p14:creationId xmlns:p14="http://schemas.microsoft.com/office/powerpoint/2010/main" val="3415729306"/>
+      </p:ext>
+    </p:extLst>
+  </p:cSld>
+  <p:clrMapOvr>
+    <a:masterClrMapping/>
+  </p:clrMapOvr>
+</p:sld>
+</file>
+
+<file path=ppt/slides/slide28.xml><?xml version="1.0" encoding="utf-8"?>
+<p:sld xmlns:a="http://schemas.openxmlformats.org/drawingml/2006/main" xmlns:r="http://schemas.openxmlformats.org/officeDocument/2006/relationships" xmlns:p="http://schemas.openxmlformats.org/presentationml/2006/main">
+  <p:cSld>
+    <p:spTree>
+      <p:nvGrpSpPr>
+        <p:cNvPr id="1" name=""/>
+        <p:cNvGrpSpPr/>
+        <p:nvPr/>
+      </p:nvGrpSpPr>
+      <p:grpSpPr>
+        <a:xfrm>
+          <a:off x="0" y="0"/>
+          <a:ext cx="0" cy="0"/>
+          <a:chOff x="0" y="0"/>
+          <a:chExt cx="0" cy="0"/>
+        </a:xfrm>
+      </p:grpSpPr>
+      <p:sp>
+        <p:nvSpPr>
           <p:cNvPr id="3" name="Title 2"/>
           <p:cNvSpPr>
             <a:spLocks noGrp="1"/>
@@ -10309,7 +10876,7 @@
           <a:p>
             <a:r>
               <a:rPr lang="en-US" dirty="0"/>
-              <a:t>Open 3_C_NonTraditionalMkts.R</a:t>
+              <a:t>Open 3_D_NonTraditionalMkts.R</a:t>
             </a:r>
           </a:p>
         </p:txBody>
@@ -10331,7 +10898,7 @@
           <a:p>
             <a:fld id="{6700A58B-DD98-43D0-B791-721480A02982}" type="datetime1">
               <a:rPr lang="en-US" smtClean="0"/>
-              <a:t>4/19/21</a:t>
+              <a:t>11/22/21</a:t>
             </a:fld>
             <a:endParaRPr lang="en-US"/>
           </a:p>
@@ -10359,59 +10926,14 @@
         </p:blipFill>
         <p:spPr>
           <a:xfrm>
-            <a:off x="4206764" y="1884769"/>
-            <a:ext cx="4197067" cy="3147800"/>
+            <a:off x="4811151" y="2039925"/>
+            <a:ext cx="4116918" cy="3087687"/>
           </a:xfrm>
           <a:prstGeom prst="rect">
             <a:avLst/>
           </a:prstGeom>
         </p:spPr>
       </p:pic>
-      <p:sp>
-        <p:nvSpPr>
-          <p:cNvPr id="9" name="TextBox 8">
-            <a:extLst>
-              <a:ext uri="{FF2B5EF4-FFF2-40B4-BE49-F238E27FC236}">
-                <a16:creationId xmlns:a16="http://schemas.microsoft.com/office/drawing/2014/main" id="{5BF198F4-BB89-430A-9B3C-DA4CCF719B96}"/>
-              </a:ext>
-            </a:extLst>
-          </p:cNvPr>
-          <p:cNvSpPr txBox="1"/>
-          <p:nvPr/>
-        </p:nvSpPr>
-        <p:spPr>
-          <a:xfrm>
-            <a:off x="190058" y="2000247"/>
-            <a:ext cx="3578112" cy="1200329"/>
-          </a:xfrm>
-          <a:prstGeom prst="rect">
-            <a:avLst/>
-          </a:prstGeom>
-          <a:noFill/>
-        </p:spPr>
-        <p:txBody>
-          <a:bodyPr wrap="square" rtlCol="0">
-            <a:spAutoFit/>
-          </a:bodyPr>
-          <a:lstStyle/>
-          <a:p>
-            <a:r>
-              <a:rPr lang="en-US" sz="3000" u="sng" dirty="0"/>
-              <a:t>Learning Objective:</a:t>
-            </a:r>
-          </a:p>
-          <a:p>
-            <a:pPr marL="214313" indent="-214313">
-              <a:buFont typeface="Arial" panose="020B0604020202020204" pitchFamily="34" charset="0"/>
-              <a:buChar char="•"/>
-            </a:pPr>
-            <a:r>
-              <a:rPr lang="en-US" sz="2100" dirty="0"/>
-              <a:t>Simulate opening to analyze a non-traditional market</a:t>
-            </a:r>
-          </a:p>
-        </p:txBody>
-      </p:sp>
       <p:sp>
         <p:nvSpPr>
           <p:cNvPr id="10" name="Footer Placeholder 5">
@@ -10445,6 +10967,53 @@
           </a:p>
         </p:txBody>
       </p:sp>
+      <p:pic>
+        <p:nvPicPr>
+          <p:cNvPr id="1026" name="Picture 2" descr="Example triangular distribution that can be used to describe input data. |  Download Scientific Diagram">
+            <a:extLst>
+              <a:ext uri="{FF2B5EF4-FFF2-40B4-BE49-F238E27FC236}">
+                <a16:creationId xmlns:a16="http://schemas.microsoft.com/office/drawing/2014/main" id="{2DDC6BFE-9C5E-B34E-8D61-BB51FD3EFBEF}"/>
+              </a:ext>
+            </a:extLst>
+          </p:cNvPr>
+          <p:cNvPicPr>
+            <a:picLocks noChangeAspect="1" noChangeArrowheads="1"/>
+          </p:cNvPicPr>
+          <p:nvPr/>
+        </p:nvPicPr>
+        <p:blipFill>
+          <a:blip r:embed="rId3">
+            <a:extLst>
+              <a:ext uri="{28A0092B-C50C-407E-A947-70E740481C1C}">
+                <a14:useLocalDpi xmlns:a14="http://schemas.microsoft.com/office/drawing/2010/main" val="0"/>
+              </a:ext>
+            </a:extLst>
+          </a:blip>
+          <a:srcRect/>
+          <a:stretch>
+            <a:fillRect/>
+          </a:stretch>
+        </p:blipFill>
+        <p:spPr bwMode="auto">
+          <a:xfrm>
+            <a:off x="0" y="2112635"/>
+            <a:ext cx="4572001" cy="3087688"/>
+          </a:xfrm>
+          <a:prstGeom prst="rect">
+            <a:avLst/>
+          </a:prstGeom>
+          <a:noFill/>
+          <a:extLst>
+            <a:ext uri="{909E8E84-426E-40DD-AFC4-6F175D3DCCD1}">
+              <a14:hiddenFill xmlns:a14="http://schemas.microsoft.com/office/drawing/2010/main">
+                <a:solidFill>
+                  <a:srgbClr val="FFFFFF"/>
+                </a:solidFill>
+              </a14:hiddenFill>
+            </a:ext>
+          </a:extLst>
+        </p:spPr>
+      </p:pic>
     </p:spTree>
     <p:extLst>
       <p:ext uri="{BB962C8B-B14F-4D97-AF65-F5344CB8AC3E}">
@@ -10516,7 +11085,7 @@
           <a:p>
             <a:fld id="{6700A58B-DD98-43D0-B791-721480A02982}" type="datetime1">
               <a:rPr lang="en-US" smtClean="0"/>
-              <a:t>4/19/21</a:t>
+              <a:t>11/22/21</a:t>
             </a:fld>
             <a:endParaRPr lang="en-US"/>
           </a:p>
@@ -11314,7 +11883,7 @@
           <a:p>
             <a:fld id="{6700A58B-DD98-43D0-B791-721480A02982}" type="datetime1">
               <a:rPr lang="en-US" smtClean="0"/>
-              <a:t>4/19/21</a:t>
+              <a:t>11/22/21</a:t>
             </a:fld>
             <a:endParaRPr lang="en-US"/>
           </a:p>
@@ -12125,7 +12694,7 @@
           <a:p>
             <a:fld id="{6700A58B-DD98-43D0-B791-721480A02982}" type="datetime1">
               <a:rPr lang="en-US" smtClean="0"/>
-              <a:t>4/19/21</a:t>
+              <a:t>11/22/21</a:t>
             </a:fld>
             <a:endParaRPr lang="en-US"/>
           </a:p>
@@ -12445,7 +13014,7 @@
           <a:p>
             <a:fld id="{6700A58B-DD98-43D0-B791-721480A02982}" type="datetime1">
               <a:rPr lang="en-US" smtClean="0"/>
-              <a:t>4/19/21</a:t>
+              <a:t>11/22/21</a:t>
             </a:fld>
             <a:endParaRPr lang="en-US"/>
           </a:p>
@@ -13591,7 +14160,7 @@
           <a:p>
             <a:fld id="{6700A58B-DD98-43D0-B791-721480A02982}" type="datetime1">
               <a:rPr lang="en-US" smtClean="0"/>
-              <a:t>4/19/21</a:t>
+              <a:t>11/22/21</a:t>
             </a:fld>
             <a:endParaRPr lang="en-US"/>
           </a:p>
@@ -14807,7 +15376,7 @@
           <a:p>
             <a:fld id="{6700A58B-DD98-43D0-B791-721480A02982}" type="datetime1">
               <a:rPr lang="en-US" smtClean="0"/>
-              <a:t>4/19/21</a:t>
+              <a:t>11/22/21</a:t>
             </a:fld>
             <a:endParaRPr lang="en-US"/>
           </a:p>
@@ -14994,7 +15563,7 @@
           <a:p>
             <a:fld id="{6700A58B-DD98-43D0-B791-721480A02982}" type="datetime1">
               <a:rPr lang="en-US" smtClean="0"/>
-              <a:t>4/19/21</a:t>
+              <a:t>11/22/21</a:t>
             </a:fld>
             <a:endParaRPr lang="en-US"/>
           </a:p>
